--- a/images/Präsentation2.pptx
+++ b/images/Präsentation2.pptx
@@ -104,6 +104,11 @@
       </a:defRPr>
     </a:lvl9pPr>
   </p:defaultTextStyle>
+  <p:extLst>
+    <p:ext uri="{EFAFB233-063F-42B5-8137-9DF3F51BA10A}">
+      <p15:sldGuideLst xmlns:p15="http://schemas.microsoft.com/office/powerpoint/2012/main"/>
+    </p:ext>
+  </p:extLst>
 </p:presentation>
 </file>
 
@@ -254,7 +259,7 @@
           <a:p>
             <a:fld id="{0F35A4C1-C0D5-6141-88DD-0AD0588EAC82}" type="datetimeFigureOut">
               <a:rPr lang="de-DE" smtClean="0"/>
-              <a:t>09.11.21</a:t>
+              <a:t>11.11.21</a:t>
             </a:fld>
             <a:endParaRPr lang="de-DE"/>
           </a:p>
@@ -452,7 +457,7 @@
           <a:p>
             <a:fld id="{0F35A4C1-C0D5-6141-88DD-0AD0588EAC82}" type="datetimeFigureOut">
               <a:rPr lang="de-DE" smtClean="0"/>
-              <a:t>09.11.21</a:t>
+              <a:t>11.11.21</a:t>
             </a:fld>
             <a:endParaRPr lang="de-DE"/>
           </a:p>
@@ -660,7 +665,7 @@
           <a:p>
             <a:fld id="{0F35A4C1-C0D5-6141-88DD-0AD0588EAC82}" type="datetimeFigureOut">
               <a:rPr lang="de-DE" smtClean="0"/>
-              <a:t>09.11.21</a:t>
+              <a:t>11.11.21</a:t>
             </a:fld>
             <a:endParaRPr lang="de-DE"/>
           </a:p>
@@ -858,7 +863,7 @@
           <a:p>
             <a:fld id="{0F35A4C1-C0D5-6141-88DD-0AD0588EAC82}" type="datetimeFigureOut">
               <a:rPr lang="de-DE" smtClean="0"/>
-              <a:t>09.11.21</a:t>
+              <a:t>11.11.21</a:t>
             </a:fld>
             <a:endParaRPr lang="de-DE"/>
           </a:p>
@@ -1133,7 +1138,7 @@
           <a:p>
             <a:fld id="{0F35A4C1-C0D5-6141-88DD-0AD0588EAC82}" type="datetimeFigureOut">
               <a:rPr lang="de-DE" smtClean="0"/>
-              <a:t>09.11.21</a:t>
+              <a:t>11.11.21</a:t>
             </a:fld>
             <a:endParaRPr lang="de-DE"/>
           </a:p>
@@ -1398,7 +1403,7 @@
           <a:p>
             <a:fld id="{0F35A4C1-C0D5-6141-88DD-0AD0588EAC82}" type="datetimeFigureOut">
               <a:rPr lang="de-DE" smtClean="0"/>
-              <a:t>09.11.21</a:t>
+              <a:t>11.11.21</a:t>
             </a:fld>
             <a:endParaRPr lang="de-DE"/>
           </a:p>
@@ -1810,7 +1815,7 @@
           <a:p>
             <a:fld id="{0F35A4C1-C0D5-6141-88DD-0AD0588EAC82}" type="datetimeFigureOut">
               <a:rPr lang="de-DE" smtClean="0"/>
-              <a:t>09.11.21</a:t>
+              <a:t>11.11.21</a:t>
             </a:fld>
             <a:endParaRPr lang="de-DE"/>
           </a:p>
@@ -1951,7 +1956,7 @@
           <a:p>
             <a:fld id="{0F35A4C1-C0D5-6141-88DD-0AD0588EAC82}" type="datetimeFigureOut">
               <a:rPr lang="de-DE" smtClean="0"/>
-              <a:t>09.11.21</a:t>
+              <a:t>11.11.21</a:t>
             </a:fld>
             <a:endParaRPr lang="de-DE"/>
           </a:p>
@@ -2064,7 +2069,7 @@
           <a:p>
             <a:fld id="{0F35A4C1-C0D5-6141-88DD-0AD0588EAC82}" type="datetimeFigureOut">
               <a:rPr lang="de-DE" smtClean="0"/>
-              <a:t>09.11.21</a:t>
+              <a:t>11.11.21</a:t>
             </a:fld>
             <a:endParaRPr lang="de-DE"/>
           </a:p>
@@ -2375,7 +2380,7 @@
           <a:p>
             <a:fld id="{0F35A4C1-C0D5-6141-88DD-0AD0588EAC82}" type="datetimeFigureOut">
               <a:rPr lang="de-DE" smtClean="0"/>
-              <a:t>09.11.21</a:t>
+              <a:t>11.11.21</a:t>
             </a:fld>
             <a:endParaRPr lang="de-DE"/>
           </a:p>
@@ -2663,7 +2668,7 @@
           <a:p>
             <a:fld id="{0F35A4C1-C0D5-6141-88DD-0AD0588EAC82}" type="datetimeFigureOut">
               <a:rPr lang="de-DE" smtClean="0"/>
-              <a:t>09.11.21</a:t>
+              <a:t>11.11.21</a:t>
             </a:fld>
             <a:endParaRPr lang="de-DE"/>
           </a:p>
@@ -2904,7 +2909,7 @@
           <a:p>
             <a:fld id="{0F35A4C1-C0D5-6141-88DD-0AD0588EAC82}" type="datetimeFigureOut">
               <a:rPr lang="de-DE" smtClean="0"/>
-              <a:t>09.11.21</a:t>
+              <a:t>11.11.21</a:t>
             </a:fld>
             <a:endParaRPr lang="de-DE"/>
           </a:p>
@@ -3644,6 +3649,413 @@
           </a:sp3d>
         </p:spPr>
       </p:pic>
+      <p:pic>
+        <p:nvPicPr>
+          <p:cNvPr id="1026" name="Picture 2" descr="Wandtattoo Kleckse und Sterne | WANDTATTOO.DE">
+            <a:extLst>
+              <a:ext uri="{FF2B5EF4-FFF2-40B4-BE49-F238E27FC236}">
+                <a16:creationId xmlns:a16="http://schemas.microsoft.com/office/drawing/2014/main" id="{4950B6FF-249B-FA48-A056-DDD5C9B093E3}"/>
+              </a:ext>
+            </a:extLst>
+          </p:cNvPr>
+          <p:cNvPicPr>
+            <a:picLocks noChangeAspect="1" noChangeArrowheads="1"/>
+          </p:cNvPicPr>
+          <p:nvPr/>
+        </p:nvPicPr>
+        <p:blipFill>
+          <a:blip r:embed="rId5">
+            <a:extLst>
+              <a:ext uri="{28A0092B-C50C-407E-A947-70E740481C1C}">
+                <a14:useLocalDpi xmlns:a14="http://schemas.microsoft.com/office/drawing/2010/main" val="0"/>
+              </a:ext>
+            </a:extLst>
+          </a:blip>
+          <a:srcRect/>
+          <a:stretch>
+            <a:fillRect/>
+          </a:stretch>
+        </p:blipFill>
+        <p:spPr bwMode="auto">
+          <a:xfrm>
+            <a:off x="2453640" y="395978"/>
+            <a:ext cx="1051560" cy="788670"/>
+          </a:xfrm>
+          <a:prstGeom prst="rect">
+            <a:avLst/>
+          </a:prstGeom>
+          <a:noFill/>
+          <a:extLst>
+            <a:ext uri="{909E8E84-426E-40DD-AFC4-6F175D3DCCD1}">
+              <a14:hiddenFill xmlns:a14="http://schemas.microsoft.com/office/drawing/2010/main">
+                <a:solidFill>
+                  <a:srgbClr val="FFFFFF"/>
+                </a:solidFill>
+              </a14:hiddenFill>
+            </a:ext>
+          </a:extLst>
+        </p:spPr>
+      </p:pic>
+      <p:grpSp>
+        <p:nvGrpSpPr>
+          <p:cNvPr id="24" name="Gruppieren 23">
+            <a:extLst>
+              <a:ext uri="{FF2B5EF4-FFF2-40B4-BE49-F238E27FC236}">
+                <a16:creationId xmlns:a16="http://schemas.microsoft.com/office/drawing/2014/main" id="{920594A6-9741-D945-A193-E82E9711A2BF}"/>
+              </a:ext>
+            </a:extLst>
+          </p:cNvPr>
+          <p:cNvGrpSpPr/>
+          <p:nvPr/>
+        </p:nvGrpSpPr>
+        <p:grpSpPr>
+          <a:xfrm>
+            <a:off x="7587491" y="1985963"/>
+            <a:ext cx="1456164" cy="1112520"/>
+            <a:chOff x="7587491" y="1985963"/>
+            <a:chExt cx="1456164" cy="1112520"/>
+          </a:xfrm>
+        </p:grpSpPr>
+        <p:sp>
+          <p:nvSpPr>
+            <p:cNvPr id="20" name="Rechteck 19">
+              <a:extLst>
+                <a:ext uri="{FF2B5EF4-FFF2-40B4-BE49-F238E27FC236}">
+                  <a16:creationId xmlns:a16="http://schemas.microsoft.com/office/drawing/2014/main" id="{14A63526-FE8A-6049-BF91-C86B3808B544}"/>
+                </a:ext>
+              </a:extLst>
+            </p:cNvPr>
+            <p:cNvSpPr/>
+            <p:nvPr/>
+          </p:nvSpPr>
+          <p:spPr>
+            <a:xfrm>
+              <a:off x="7587491" y="1985963"/>
+              <a:ext cx="1456164" cy="1112520"/>
+            </a:xfrm>
+            <a:prstGeom prst="rect">
+              <a:avLst/>
+            </a:prstGeom>
+            <a:noFill/>
+            <a:ln>
+              <a:noFill/>
+            </a:ln>
+          </p:spPr>
+          <p:style>
+            <a:lnRef idx="2">
+              <a:schemeClr val="dk1">
+                <a:shade val="50000"/>
+              </a:schemeClr>
+            </a:lnRef>
+            <a:fillRef idx="1">
+              <a:schemeClr val="dk1"/>
+            </a:fillRef>
+            <a:effectRef idx="0">
+              <a:schemeClr val="dk1"/>
+            </a:effectRef>
+            <a:fontRef idx="minor">
+              <a:schemeClr val="lt1"/>
+            </a:fontRef>
+          </p:style>
+          <p:txBody>
+            <a:bodyPr rtlCol="0" anchor="ctr"/>
+            <a:lstStyle/>
+            <a:p>
+              <a:pPr algn="ctr"/>
+              <a:endParaRPr lang="de-DE"/>
+            </a:p>
+          </p:txBody>
+        </p:sp>
+        <p:pic>
+          <p:nvPicPr>
+            <p:cNvPr id="23" name="Picture 4" descr="Yoshi SVG | Yoshi Super Mario Bros svg cut file Download | JPG, PNG, SVG,  CDR, AI, PDF, EPS, DXF Format">
+              <a:extLst>
+                <a:ext uri="{FF2B5EF4-FFF2-40B4-BE49-F238E27FC236}">
+                  <a16:creationId xmlns:a16="http://schemas.microsoft.com/office/drawing/2014/main" id="{E0F84586-06C5-854B-87D2-040060164EC9}"/>
+                </a:ext>
+              </a:extLst>
+            </p:cNvPr>
+            <p:cNvPicPr>
+              <a:picLocks noChangeAspect="1" noChangeArrowheads="1"/>
+            </p:cNvPicPr>
+            <p:nvPr/>
+          </p:nvPicPr>
+          <p:blipFill>
+            <a:blip r:embed="rId9">
+              <a:extLst>
+                <a:ext uri="{28A0092B-C50C-407E-A947-70E740481C1C}">
+                  <a14:useLocalDpi xmlns:a14="http://schemas.microsoft.com/office/drawing/2010/main" val="0"/>
+                </a:ext>
+              </a:extLst>
+            </a:blip>
+            <a:srcRect/>
+            <a:stretch>
+              <a:fillRect/>
+            </a:stretch>
+          </p:blipFill>
+          <p:spPr bwMode="auto">
+            <a:xfrm>
+              <a:off x="7793416" y="2020064"/>
+              <a:ext cx="1044313" cy="1044313"/>
+            </a:xfrm>
+            <a:prstGeom prst="rect">
+              <a:avLst/>
+            </a:prstGeom>
+            <a:noFill/>
+            <a:ln>
+              <a:noFill/>
+            </a:ln>
+            <a:extLst>
+              <a:ext uri="{909E8E84-426E-40DD-AFC4-6F175D3DCCD1}">
+                <a14:hiddenFill xmlns:a14="http://schemas.microsoft.com/office/drawing/2010/main">
+                  <a:solidFill>
+                    <a:srgbClr val="FFFFFF"/>
+                  </a:solidFill>
+                </a14:hiddenFill>
+              </a:ext>
+            </a:extLst>
+          </p:spPr>
+        </p:pic>
+      </p:grpSp>
+      <p:grpSp>
+        <p:nvGrpSpPr>
+          <p:cNvPr id="26" name="Gruppieren 25">
+            <a:extLst>
+              <a:ext uri="{FF2B5EF4-FFF2-40B4-BE49-F238E27FC236}">
+                <a16:creationId xmlns:a16="http://schemas.microsoft.com/office/drawing/2014/main" id="{D5268704-04C0-1C43-ADB7-6A7F87DF9F30}"/>
+              </a:ext>
+            </a:extLst>
+          </p:cNvPr>
+          <p:cNvGrpSpPr/>
+          <p:nvPr/>
+        </p:nvGrpSpPr>
+        <p:grpSpPr>
+          <a:xfrm>
+            <a:off x="9390561" y="1985963"/>
+            <a:ext cx="1456164" cy="1112520"/>
+            <a:chOff x="9390561" y="1985963"/>
+            <a:chExt cx="1456164" cy="1112520"/>
+          </a:xfrm>
+        </p:grpSpPr>
+        <p:sp>
+          <p:nvSpPr>
+            <p:cNvPr id="22" name="Rechteck 21">
+              <a:extLst>
+                <a:ext uri="{FF2B5EF4-FFF2-40B4-BE49-F238E27FC236}">
+                  <a16:creationId xmlns:a16="http://schemas.microsoft.com/office/drawing/2014/main" id="{C5CD25BF-17AF-024A-9DAE-E01D0495C7CB}"/>
+                </a:ext>
+              </a:extLst>
+            </p:cNvPr>
+            <p:cNvSpPr/>
+            <p:nvPr/>
+          </p:nvSpPr>
+          <p:spPr>
+            <a:xfrm>
+              <a:off x="9390561" y="1985963"/>
+              <a:ext cx="1456164" cy="1112520"/>
+            </a:xfrm>
+            <a:prstGeom prst="rect">
+              <a:avLst/>
+            </a:prstGeom>
+            <a:noFill/>
+            <a:ln>
+              <a:noFill/>
+            </a:ln>
+          </p:spPr>
+          <p:style>
+            <a:lnRef idx="2">
+              <a:schemeClr val="dk1">
+                <a:shade val="50000"/>
+              </a:schemeClr>
+            </a:lnRef>
+            <a:fillRef idx="1">
+              <a:schemeClr val="dk1"/>
+            </a:fillRef>
+            <a:effectRef idx="0">
+              <a:schemeClr val="dk1"/>
+            </a:effectRef>
+            <a:fontRef idx="minor">
+              <a:schemeClr val="lt1"/>
+            </a:fontRef>
+          </p:style>
+          <p:txBody>
+            <a:bodyPr rtlCol="0" anchor="ctr"/>
+            <a:lstStyle/>
+            <a:p>
+              <a:pPr algn="ctr"/>
+              <a:endParaRPr lang="de-DE"/>
+            </a:p>
+          </p:txBody>
+        </p:sp>
+        <p:pic>
+          <p:nvPicPr>
+            <p:cNvPr id="1032" name="Picture 8" descr="Pikachu - Das Spielemagazin Games-Mag">
+              <a:extLst>
+                <a:ext uri="{FF2B5EF4-FFF2-40B4-BE49-F238E27FC236}">
+                  <a16:creationId xmlns:a16="http://schemas.microsoft.com/office/drawing/2014/main" id="{B7EC2F05-0B61-E34B-B6C7-A8CEABFC628B}"/>
+                </a:ext>
+              </a:extLst>
+            </p:cNvPr>
+            <p:cNvPicPr>
+              <a:picLocks noChangeAspect="1" noChangeArrowheads="1"/>
+            </p:cNvPicPr>
+            <p:nvPr/>
+          </p:nvPicPr>
+          <p:blipFill>
+            <a:blip r:embed="rId10">
+              <a:extLst>
+                <a:ext uri="{28A0092B-C50C-407E-A947-70E740481C1C}">
+                  <a14:useLocalDpi xmlns:a14="http://schemas.microsoft.com/office/drawing/2010/main" val="0"/>
+                </a:ext>
+              </a:extLst>
+            </a:blip>
+            <a:srcRect/>
+            <a:stretch>
+              <a:fillRect/>
+            </a:stretch>
+          </p:blipFill>
+          <p:spPr bwMode="auto">
+            <a:xfrm>
+              <a:off x="9589421" y="2055332"/>
+              <a:ext cx="1058443" cy="950026"/>
+            </a:xfrm>
+            <a:prstGeom prst="rect">
+              <a:avLst/>
+            </a:prstGeom>
+            <a:noFill/>
+            <a:ln>
+              <a:noFill/>
+            </a:ln>
+            <a:extLst>
+              <a:ext uri="{909E8E84-426E-40DD-AFC4-6F175D3DCCD1}">
+                <a14:hiddenFill xmlns:a14="http://schemas.microsoft.com/office/drawing/2010/main">
+                  <a:solidFill>
+                    <a:srgbClr val="FFFFFF"/>
+                  </a:solidFill>
+                </a14:hiddenFill>
+              </a:ext>
+            </a:extLst>
+          </p:spPr>
+        </p:pic>
+      </p:grpSp>
+      <p:grpSp>
+        <p:nvGrpSpPr>
+          <p:cNvPr id="27" name="Gruppieren 26">
+            <a:extLst>
+              <a:ext uri="{FF2B5EF4-FFF2-40B4-BE49-F238E27FC236}">
+                <a16:creationId xmlns:a16="http://schemas.microsoft.com/office/drawing/2014/main" id="{A48FF5E6-152A-4C4E-A85B-96DC7FB227CF}"/>
+              </a:ext>
+            </a:extLst>
+          </p:cNvPr>
+          <p:cNvGrpSpPr/>
+          <p:nvPr/>
+        </p:nvGrpSpPr>
+        <p:grpSpPr>
+          <a:xfrm>
+            <a:off x="7587491" y="3610903"/>
+            <a:ext cx="1456164" cy="1112520"/>
+            <a:chOff x="7587491" y="3610903"/>
+            <a:chExt cx="1456164" cy="1112520"/>
+          </a:xfrm>
+        </p:grpSpPr>
+        <p:sp>
+          <p:nvSpPr>
+            <p:cNvPr id="32" name="Rechteck 31">
+              <a:extLst>
+                <a:ext uri="{FF2B5EF4-FFF2-40B4-BE49-F238E27FC236}">
+                  <a16:creationId xmlns:a16="http://schemas.microsoft.com/office/drawing/2014/main" id="{6A6E00D2-4BA6-1047-B6A4-D46E9EDE6236}"/>
+                </a:ext>
+              </a:extLst>
+            </p:cNvPr>
+            <p:cNvSpPr/>
+            <p:nvPr/>
+          </p:nvSpPr>
+          <p:spPr>
+            <a:xfrm>
+              <a:off x="7587491" y="3610903"/>
+              <a:ext cx="1456164" cy="1112520"/>
+            </a:xfrm>
+            <a:prstGeom prst="rect">
+              <a:avLst/>
+            </a:prstGeom>
+            <a:noFill/>
+            <a:ln>
+              <a:noFill/>
+            </a:ln>
+          </p:spPr>
+          <p:style>
+            <a:lnRef idx="2">
+              <a:schemeClr val="dk1">
+                <a:shade val="50000"/>
+              </a:schemeClr>
+            </a:lnRef>
+            <a:fillRef idx="1">
+              <a:schemeClr val="dk1"/>
+            </a:fillRef>
+            <a:effectRef idx="0">
+              <a:schemeClr val="dk1"/>
+            </a:effectRef>
+            <a:fontRef idx="minor">
+              <a:schemeClr val="lt1"/>
+            </a:fontRef>
+          </p:style>
+          <p:txBody>
+            <a:bodyPr rtlCol="0" anchor="ctr"/>
+            <a:lstStyle/>
+            <a:p>
+              <a:pPr algn="ctr"/>
+              <a:endParaRPr lang="de-DE"/>
+            </a:p>
+          </p:txBody>
+        </p:sp>
+        <p:pic>
+          <p:nvPicPr>
+            <p:cNvPr id="1034" name="Picture 10" descr="New Super Mario Bros. Wii: All-Star Quest | Super mario art, Super mario  birthday party, Mario art">
+              <a:extLst>
+                <a:ext uri="{FF2B5EF4-FFF2-40B4-BE49-F238E27FC236}">
+                  <a16:creationId xmlns:a16="http://schemas.microsoft.com/office/drawing/2014/main" id="{BFB1094F-2F45-A74D-B1AA-285211330CD3}"/>
+                </a:ext>
+              </a:extLst>
+            </p:cNvPr>
+            <p:cNvPicPr>
+              <a:picLocks noChangeAspect="1" noChangeArrowheads="1"/>
+            </p:cNvPicPr>
+            <p:nvPr/>
+          </p:nvPicPr>
+          <p:blipFill>
+            <a:blip r:embed="rId11">
+              <a:extLst>
+                <a:ext uri="{28A0092B-C50C-407E-A947-70E740481C1C}">
+                  <a14:useLocalDpi xmlns:a14="http://schemas.microsoft.com/office/drawing/2010/main" val="0"/>
+                </a:ext>
+              </a:extLst>
+            </a:blip>
+            <a:srcRect/>
+            <a:stretch>
+              <a:fillRect/>
+            </a:stretch>
+          </p:blipFill>
+          <p:spPr bwMode="auto">
+            <a:xfrm>
+              <a:off x="7918498" y="3772827"/>
+              <a:ext cx="794148" cy="788671"/>
+            </a:xfrm>
+            <a:prstGeom prst="rect">
+              <a:avLst/>
+            </a:prstGeom>
+            <a:noFill/>
+            <a:extLst>
+              <a:ext uri="{909E8E84-426E-40DD-AFC4-6F175D3DCCD1}">
+                <a14:hiddenFill xmlns:a14="http://schemas.microsoft.com/office/drawing/2010/main">
+                  <a:solidFill>
+                    <a:srgbClr val="FFFFFF"/>
+                  </a:solidFill>
+                </a14:hiddenFill>
+              </a:ext>
+            </a:extLst>
+          </p:spPr>
+        </p:pic>
+      </p:grpSp>
     </p:spTree>
     <p:extLst>
       <p:ext uri="{BB962C8B-B14F-4D97-AF65-F5344CB8AC3E}">
